--- a/documents/Magyar nyelvű Szentimentanalízis Projekt.pptx
+++ b/documents/Magyar nyelvű Szentimentanalízis Projekt.pptx
@@ -111,6 +111,11 @@
       </a:defRPr>
     </a:lvl9pPr>
   </p:defaultTextStyle>
+  <p:extLst>
+    <p:ext uri="{EFAFB233-063F-42B5-8137-9DF3F51BA10A}">
+      <p15:sldGuideLst xmlns:p15="http://schemas.microsoft.com/office/powerpoint/2012/main"/>
+    </p:ext>
+  </p:extLst>
 </p:presentation>
 </file>
 
@@ -5786,8 +5791,8 @@
         </p:nvSpPr>
         <p:spPr>
           <a:xfrm>
-            <a:off x="1507067" y="457200"/>
-            <a:ext cx="7766936" cy="3593636"/>
+            <a:off x="1507067" y="1466602"/>
+            <a:ext cx="7766936" cy="2584233"/>
           </a:xfrm>
         </p:spPr>
         <p:txBody>
@@ -5796,11 +5801,12 @@
           <a:p>
             <a:r>
               <a:rPr lang="hu-HU" dirty="0"/>
-              <a:t>Magyar nyelvű Szentimentanalízis Projekt</a:t>
-            </a:r>
-            <a:br>
-              <a:rPr lang="hu-HU" dirty="0"/>
-            </a:br>
+              <a:t>Magyar nyelvű Szentimentanalízis </a:t>
+            </a:r>
+            <a:r>
+              <a:rPr lang="hu-HU" dirty="0" smtClean="0"/>
+              <a:t>Projekt</a:t>
+            </a:r>
             <a:endParaRPr lang="hu-HU" dirty="0"/>
           </a:p>
         </p:txBody>
@@ -6293,8 +6299,13 @@
           <a:p>
             <a:r>
               <a:rPr lang="hu-HU" dirty="0" smtClean="0"/>
-              <a:t>Tanítás felparaméterezése</a:t>
-            </a:r>
+              <a:t>Tanítás </a:t>
+            </a:r>
+            <a:r>
+              <a:rPr lang="hu-HU" dirty="0" smtClean="0"/>
+              <a:t>paraméterezése</a:t>
+            </a:r>
+            <a:endParaRPr lang="hu-HU" dirty="0" smtClean="0"/>
           </a:p>
           <a:p>
             <a:r>
@@ -6303,7 +6314,7 @@
             </a:r>
             <a:r>
               <a:rPr lang="hu-HU" dirty="0" err="1" smtClean="0"/>
-              <a:t>tokenizáció</a:t>
+              <a:t>tokenizálás</a:t>
             </a:r>
             <a:endParaRPr lang="hu-HU" dirty="0" smtClean="0"/>
           </a:p>
@@ -6314,8 +6325,13 @@
             </a:r>
             <a:r>
               <a:rPr lang="hu-HU" dirty="0" smtClean="0"/>
-              <a:t> tanítás</a:t>
-            </a:r>
+              <a:t> </a:t>
+            </a:r>
+            <a:r>
+              <a:rPr lang="hu-HU" dirty="0" smtClean="0"/>
+              <a:t>segítségével történő tanítás</a:t>
+            </a:r>
+            <a:endParaRPr lang="hu-HU" dirty="0" smtClean="0"/>
           </a:p>
           <a:p>
             <a:r>
@@ -6447,18 +6463,26 @@
               <a:t>A frontend </a:t>
             </a:r>
             <a:r>
-              <a:rPr lang="hu-HU" dirty="0" err="1" smtClean="0"/>
-              <a:t>RestAPI</a:t>
-            </a:r>
-            <a:r>
               <a:rPr lang="hu-HU" dirty="0" smtClean="0"/>
-              <a:t> hívásokon keresztül éri el a backendet</a:t>
-            </a:r>
-          </a:p>
-          <a:p>
+              <a:t>REST API </a:t>
+            </a:r>
             <a:r>
               <a:rPr lang="hu-HU" dirty="0" smtClean="0"/>
-              <a:t>Felhasználókezelés és chat előzmények tárolása (</a:t>
+              <a:t>hívásokon keresztül éri el a backendet</a:t>
+            </a:r>
+          </a:p>
+          <a:p>
+            <a:r>
+              <a:rPr lang="hu-HU" dirty="0" smtClean="0"/>
+              <a:t>Felhasználókezelés és </a:t>
+            </a:r>
+            <a:r>
+              <a:rPr lang="hu-HU" dirty="0" smtClean="0"/>
+              <a:t>chatelőzmények </a:t>
+            </a:r>
+            <a:r>
+              <a:rPr lang="hu-HU" dirty="0" smtClean="0"/>
+              <a:t>tárolása (</a:t>
             </a:r>
             <a:r>
               <a:rPr lang="hu-HU" dirty="0" err="1" smtClean="0"/>

--- a/documents/Magyar nyelvű Szentimentanalízis Projekt.pptx
+++ b/documents/Magyar nyelvű Szentimentanalízis Projekt.pptx
@@ -12,7 +12,10 @@
     <p:sldId id="260" r:id="rId6"/>
     <p:sldId id="262" r:id="rId7"/>
     <p:sldId id="263" r:id="rId8"/>
-    <p:sldId id="261" r:id="rId9"/>
+    <p:sldId id="264" r:id="rId9"/>
+    <p:sldId id="265" r:id="rId10"/>
+    <p:sldId id="266" r:id="rId11"/>
+    <p:sldId id="261" r:id="rId12"/>
   </p:sldIdLst>
   <p:sldSz cx="12192000" cy="6858000"/>
   <p:notesSz cx="6858000" cy="9144000"/>
@@ -842,7 +845,7 @@
             <a:fld id="{B61BEF0D-F0BB-DE4B-95CE-6DB70DBA9567}" type="datetimeFigureOut">
               <a:rPr lang="en-US" dirty="0"/>
               <a:pPr/>
-              <a:t>5/4/2025</a:t>
+              <a:t>5/11/2025</a:t>
             </a:fld>
             <a:endParaRPr lang="en-US" dirty="0"/>
           </a:p>
@@ -1090,7 +1093,7 @@
             <a:fld id="{B61BEF0D-F0BB-DE4B-95CE-6DB70DBA9567}" type="datetimeFigureOut">
               <a:rPr lang="en-US" dirty="0"/>
               <a:pPr/>
-              <a:t>5/4/2025</a:t>
+              <a:t>5/11/2025</a:t>
             </a:fld>
             <a:endParaRPr lang="en-US" dirty="0"/>
           </a:p>
@@ -1401,7 +1404,7 @@
             <a:fld id="{B61BEF0D-F0BB-DE4B-95CE-6DB70DBA9567}" type="datetimeFigureOut">
               <a:rPr lang="en-US" dirty="0"/>
               <a:pPr/>
-              <a:t>5/4/2025</a:t>
+              <a:t>5/11/2025</a:t>
             </a:fld>
             <a:endParaRPr lang="en-US" dirty="0"/>
           </a:p>
@@ -1739,7 +1742,7 @@
             <a:fld id="{B61BEF0D-F0BB-DE4B-95CE-6DB70DBA9567}" type="datetimeFigureOut">
               <a:rPr lang="en-US" dirty="0"/>
               <a:pPr/>
-              <a:t>5/4/2025</a:t>
+              <a:t>5/11/2025</a:t>
             </a:fld>
             <a:endParaRPr lang="en-US" dirty="0"/>
           </a:p>
@@ -2050,7 +2053,7 @@
             <a:fld id="{B61BEF0D-F0BB-DE4B-95CE-6DB70DBA9567}" type="datetimeFigureOut">
               <a:rPr lang="en-US" dirty="0"/>
               <a:pPr/>
-              <a:t>5/4/2025</a:t>
+              <a:t>5/11/2025</a:t>
             </a:fld>
             <a:endParaRPr lang="en-US" dirty="0"/>
           </a:p>
@@ -2440,7 +2443,7 @@
             <a:fld id="{B61BEF0D-F0BB-DE4B-95CE-6DB70DBA9567}" type="datetimeFigureOut">
               <a:rPr lang="en-US" dirty="0"/>
               <a:pPr/>
-              <a:t>5/4/2025</a:t>
+              <a:t>5/11/2025</a:t>
             </a:fld>
             <a:endParaRPr lang="en-US" dirty="0"/>
           </a:p>
@@ -2606,7 +2609,7 @@
           <a:p>
             <a:fld id="{55C6B4A9-1611-4792-9094-5F34BCA07E0B}" type="datetimeFigureOut">
               <a:rPr lang="en-US" dirty="0"/>
-              <a:t>5/4/2025</a:t>
+              <a:t>5/11/2025</a:t>
             </a:fld>
             <a:endParaRPr lang="en-US" dirty="0"/>
           </a:p>
@@ -2782,7 +2785,7 @@
             <a:fld id="{B61BEF0D-F0BB-DE4B-95CE-6DB70DBA9567}" type="datetimeFigureOut">
               <a:rPr lang="en-US" dirty="0"/>
               <a:pPr/>
-              <a:t>5/4/2025</a:t>
+              <a:t>5/11/2025</a:t>
             </a:fld>
             <a:endParaRPr lang="en-US" dirty="0"/>
           </a:p>
@@ -2955,7 +2958,7 @@
             <a:fld id="{B61BEF0D-F0BB-DE4B-95CE-6DB70DBA9567}" type="datetimeFigureOut">
               <a:rPr lang="en-US" dirty="0"/>
               <a:pPr/>
-              <a:t>5/4/2025</a:t>
+              <a:t>5/11/2025</a:t>
             </a:fld>
             <a:endParaRPr lang="en-US" dirty="0"/>
           </a:p>
@@ -3199,7 +3202,7 @@
             <a:fld id="{B61BEF0D-F0BB-DE4B-95CE-6DB70DBA9567}" type="datetimeFigureOut">
               <a:rPr lang="en-US" dirty="0"/>
               <a:pPr/>
-              <a:t>5/4/2025</a:t>
+              <a:t>5/11/2025</a:t>
             </a:fld>
             <a:endParaRPr lang="en-US" dirty="0"/>
           </a:p>
@@ -3427,7 +3430,7 @@
           <a:p>
             <a:fld id="{EB712588-04B1-427B-82EE-E8DB90309F08}" type="datetimeFigureOut">
               <a:rPr lang="en-US" dirty="0"/>
-              <a:t>5/4/2025</a:t>
+              <a:t>5/11/2025</a:t>
             </a:fld>
             <a:endParaRPr lang="en-US" dirty="0"/>
           </a:p>
@@ -3797,7 +3800,7 @@
             <a:fld id="{B61BEF0D-F0BB-DE4B-95CE-6DB70DBA9567}" type="datetimeFigureOut">
               <a:rPr lang="en-US" dirty="0"/>
               <a:pPr/>
-              <a:t>5/4/2025</a:t>
+              <a:t>5/11/2025</a:t>
             </a:fld>
             <a:endParaRPr lang="en-US" dirty="0"/>
           </a:p>
@@ -3917,7 +3920,7 @@
             <a:fld id="{B61BEF0D-F0BB-DE4B-95CE-6DB70DBA9567}" type="datetimeFigureOut">
               <a:rPr lang="en-US" dirty="0"/>
               <a:pPr/>
-              <a:t>5/4/2025</a:t>
+              <a:t>5/11/2025</a:t>
             </a:fld>
             <a:endParaRPr lang="en-US" dirty="0"/>
           </a:p>
@@ -4009,7 +4012,7 @@
             <a:fld id="{B61BEF0D-F0BB-DE4B-95CE-6DB70DBA9567}" type="datetimeFigureOut">
               <a:rPr lang="en-US" dirty="0"/>
               <a:pPr/>
-              <a:t>5/4/2025</a:t>
+              <a:t>5/11/2025</a:t>
             </a:fld>
             <a:endParaRPr lang="en-US" dirty="0"/>
           </a:p>
@@ -4260,7 +4263,7 @@
           <a:p>
             <a:fld id="{42A54C80-263E-416B-A8E0-580EDEADCBDC}" type="datetimeFigureOut">
               <a:rPr lang="en-US" dirty="0"/>
-              <a:t>5/4/2025</a:t>
+              <a:t>5/11/2025</a:t>
             </a:fld>
             <a:endParaRPr lang="en-US" dirty="0"/>
           </a:p>
@@ -4519,7 +4522,7 @@
             <a:fld id="{B61BEF0D-F0BB-DE4B-95CE-6DB70DBA9567}" type="datetimeFigureOut">
               <a:rPr lang="en-US" dirty="0"/>
               <a:pPr/>
-              <a:t>5/4/2025</a:t>
+              <a:t>5/11/2025</a:t>
             </a:fld>
             <a:endParaRPr lang="en-US" dirty="0"/>
           </a:p>
@@ -5259,7 +5262,7 @@
             <a:fld id="{B61BEF0D-F0BB-DE4B-95CE-6DB70DBA9567}" type="datetimeFigureOut">
               <a:rPr lang="en-US" dirty="0"/>
               <a:pPr/>
-              <a:t>5/4/2025</a:t>
+              <a:t>5/11/2025</a:t>
             </a:fld>
             <a:endParaRPr lang="en-US" dirty="0"/>
           </a:p>
@@ -5828,9 +5831,9 @@
           <a:p>
             <a:r>
               <a:rPr lang="hu-HU" dirty="0" smtClean="0"/>
-              <a:t>Készítette: Név</a:t>
-            </a:r>
-            <a:endParaRPr lang="hu-HU" dirty="0"/>
+              <a:t>Név</a:t>
+            </a:r>
+            <a:endParaRPr lang="hu-HU" dirty="0" smtClean="0"/>
           </a:p>
         </p:txBody>
       </p:sp>
@@ -5838,6 +5841,141 @@
     <p:extLst>
       <p:ext uri="{BB962C8B-B14F-4D97-AF65-F5344CB8AC3E}">
         <p14:creationId xmlns:p14="http://schemas.microsoft.com/office/powerpoint/2010/main" val="3571469971"/>
+      </p:ext>
+    </p:extLst>
+  </p:cSld>
+  <p:clrMapOvr>
+    <a:masterClrMapping/>
+  </p:clrMapOvr>
+</p:sld>
+</file>
+
+<file path=ppt/slides/slide10.xml><?xml version="1.0" encoding="utf-8"?>
+<p:sld xmlns:a="http://schemas.openxmlformats.org/drawingml/2006/main" xmlns:r="http://schemas.openxmlformats.org/officeDocument/2006/relationships" xmlns:p="http://schemas.openxmlformats.org/presentationml/2006/main">
+  <p:cSld>
+    <p:spTree>
+      <p:nvGrpSpPr>
+        <p:cNvPr id="1" name=""/>
+        <p:cNvGrpSpPr/>
+        <p:nvPr/>
+      </p:nvGrpSpPr>
+      <p:grpSpPr>
+        <a:xfrm>
+          <a:off x="0" y="0"/>
+          <a:ext cx="0" cy="0"/>
+          <a:chOff x="0" y="0"/>
+          <a:chExt cx="0" cy="0"/>
+        </a:xfrm>
+      </p:grpSpPr>
+      <p:sp>
+        <p:nvSpPr>
+          <p:cNvPr id="2" name="Cím 1"/>
+          <p:cNvSpPr>
+            <a:spLocks noGrp="1"/>
+          </p:cNvSpPr>
+          <p:nvPr>
+            <p:ph type="title"/>
+          </p:nvPr>
+        </p:nvSpPr>
+        <p:spPr/>
+        <p:txBody>
+          <a:bodyPr/>
+          <a:lstStyle/>
+          <a:p>
+            <a:r>
+              <a:rPr lang="hu-HU" dirty="0" smtClean="0"/>
+              <a:t>Képek</a:t>
+            </a:r>
+            <a:endParaRPr lang="hu-HU" dirty="0"/>
+          </a:p>
+        </p:txBody>
+      </p:sp>
+      <p:pic>
+        <p:nvPicPr>
+          <p:cNvPr id="6" name="Tartalom helye 5"/>
+          <p:cNvPicPr>
+            <a:picLocks noGrp="1" noChangeAspect="1"/>
+          </p:cNvPicPr>
+          <p:nvPr>
+            <p:ph idx="1"/>
+          </p:nvPr>
+        </p:nvPicPr>
+        <p:blipFill>
+          <a:blip r:embed="rId2">
+            <a:extLst>
+              <a:ext uri="{28A0092B-C50C-407E-A947-70E740481C1C}">
+                <a14:useLocalDpi xmlns:a14="http://schemas.microsoft.com/office/drawing/2010/main" val="0"/>
+              </a:ext>
+            </a:extLst>
+          </a:blip>
+          <a:stretch>
+            <a:fillRect/>
+          </a:stretch>
+        </p:blipFill>
+        <p:spPr>
+          <a:xfrm>
+            <a:off x="1212384" y="1593909"/>
+            <a:ext cx="9619951" cy="4794818"/>
+          </a:xfrm>
+        </p:spPr>
+      </p:pic>
+    </p:spTree>
+    <p:extLst>
+      <p:ext uri="{BB962C8B-B14F-4D97-AF65-F5344CB8AC3E}">
+        <p14:creationId xmlns:p14="http://schemas.microsoft.com/office/powerpoint/2010/main" val="1449687979"/>
+      </p:ext>
+    </p:extLst>
+  </p:cSld>
+  <p:clrMapOvr>
+    <a:masterClrMapping/>
+  </p:clrMapOvr>
+</p:sld>
+</file>
+
+<file path=ppt/slides/slide11.xml><?xml version="1.0" encoding="utf-8"?>
+<p:sld xmlns:a="http://schemas.openxmlformats.org/drawingml/2006/main" xmlns:r="http://schemas.openxmlformats.org/officeDocument/2006/relationships" xmlns:p="http://schemas.openxmlformats.org/presentationml/2006/main">
+  <p:cSld>
+    <p:spTree>
+      <p:nvGrpSpPr>
+        <p:cNvPr id="1" name=""/>
+        <p:cNvGrpSpPr/>
+        <p:nvPr/>
+      </p:nvGrpSpPr>
+      <p:grpSpPr>
+        <a:xfrm>
+          <a:off x="0" y="0"/>
+          <a:ext cx="0" cy="0"/>
+          <a:chOff x="0" y="0"/>
+          <a:chExt cx="0" cy="0"/>
+        </a:xfrm>
+      </p:grpSpPr>
+      <p:sp>
+        <p:nvSpPr>
+          <p:cNvPr id="2" name="Cím 1"/>
+          <p:cNvSpPr>
+            <a:spLocks noGrp="1"/>
+          </p:cNvSpPr>
+          <p:nvPr>
+            <p:ph type="title"/>
+          </p:nvPr>
+        </p:nvSpPr>
+        <p:spPr/>
+        <p:txBody>
+          <a:bodyPr/>
+          <a:lstStyle/>
+          <a:p>
+            <a:r>
+              <a:rPr lang="hu-HU" dirty="0" smtClean="0"/>
+              <a:t>Köszönöm a figyelmet!</a:t>
+            </a:r>
+            <a:endParaRPr lang="hu-HU" dirty="0"/>
+          </a:p>
+        </p:txBody>
+      </p:sp>
+    </p:spTree>
+    <p:extLst>
+      <p:ext uri="{BB962C8B-B14F-4D97-AF65-F5344CB8AC3E}">
+        <p14:creationId xmlns:p14="http://schemas.microsoft.com/office/powerpoint/2010/main" val="1218404013"/>
       </p:ext>
     </p:extLst>
   </p:cSld>
@@ -5952,8 +6090,34 @@
             </a:r>
             <a:r>
               <a:rPr lang="hu-HU" dirty="0" smtClean="0"/>
-              <a:t> használata</a:t>
-            </a:r>
+              <a:t> </a:t>
+            </a:r>
+            <a:r>
+              <a:rPr lang="hu-HU" dirty="0" smtClean="0"/>
+              <a:t>használata</a:t>
+            </a:r>
+          </a:p>
+          <a:p>
+            <a:r>
+              <a:rPr lang="hu-HU" dirty="0"/>
+              <a:t>Kommenteken végzett </a:t>
+            </a:r>
+            <a:r>
+              <a:rPr lang="hu-HU" dirty="0" smtClean="0"/>
+              <a:t>szentimentanalízis</a:t>
+            </a:r>
+          </a:p>
+          <a:p>
+            <a:pPr lvl="1"/>
+            <a:r>
+              <a:rPr lang="hu-HU" dirty="0"/>
+              <a:t>Web </a:t>
+            </a:r>
+            <a:r>
+              <a:rPr lang="hu-HU" dirty="0" err="1"/>
+              <a:t>scraping</a:t>
+            </a:r>
+            <a:endParaRPr lang="hu-HU" dirty="0"/>
           </a:p>
           <a:p>
             <a:endParaRPr lang="hu-HU" dirty="0"/>
@@ -6299,13 +6463,8 @@
           <a:p>
             <a:r>
               <a:rPr lang="hu-HU" dirty="0" smtClean="0"/>
-              <a:t>Tanítás </a:t>
-            </a:r>
-            <a:r>
-              <a:rPr lang="hu-HU" dirty="0" smtClean="0"/>
-              <a:t>paraméterezése</a:t>
-            </a:r>
-            <a:endParaRPr lang="hu-HU" dirty="0" smtClean="0"/>
+              <a:t>Tanítás paraméterezése</a:t>
+            </a:r>
           </a:p>
           <a:p>
             <a:r>
@@ -6325,13 +6484,8 @@
             </a:r>
             <a:r>
               <a:rPr lang="hu-HU" dirty="0" smtClean="0"/>
-              <a:t> </a:t>
-            </a:r>
-            <a:r>
-              <a:rPr lang="hu-HU" dirty="0" smtClean="0"/>
-              <a:t>segítségével történő tanítás</a:t>
-            </a:r>
-            <a:endParaRPr lang="hu-HU" dirty="0" smtClean="0"/>
+              <a:t> segítségével történő tanítás</a:t>
+            </a:r>
           </a:p>
           <a:p>
             <a:r>
@@ -6460,29 +6614,13 @@
           <a:p>
             <a:r>
               <a:rPr lang="hu-HU" dirty="0" smtClean="0"/>
-              <a:t>A frontend </a:t>
-            </a:r>
+              <a:t>A frontend REST API hívásokon keresztül éri el a backendet</a:t>
+            </a:r>
+          </a:p>
+          <a:p>
             <a:r>
               <a:rPr lang="hu-HU" dirty="0" smtClean="0"/>
-              <a:t>REST API </a:t>
-            </a:r>
-            <a:r>
-              <a:rPr lang="hu-HU" dirty="0" smtClean="0"/>
-              <a:t>hívásokon keresztül éri el a backendet</a:t>
-            </a:r>
-          </a:p>
-          <a:p>
-            <a:r>
-              <a:rPr lang="hu-HU" dirty="0" smtClean="0"/>
-              <a:t>Felhasználókezelés és </a:t>
-            </a:r>
-            <a:r>
-              <a:rPr lang="hu-HU" dirty="0" smtClean="0"/>
-              <a:t>chatelőzmények </a:t>
-            </a:r>
-            <a:r>
-              <a:rPr lang="hu-HU" dirty="0" smtClean="0"/>
-              <a:t>tárolása (</a:t>
+              <a:t>Felhasználókezelés és chatelőzmények tárolása (</a:t>
             </a:r>
             <a:r>
               <a:rPr lang="hu-HU" dirty="0" err="1" smtClean="0"/>
@@ -6785,21 +6923,274 @@
         </p:nvSpPr>
         <p:spPr/>
         <p:txBody>
-          <a:bodyPr/>
+          <a:bodyPr>
+            <a:normAutofit fontScale="90000"/>
+          </a:bodyPr>
+          <a:lstStyle/>
+          <a:p>
+            <a:r>
+              <a:rPr lang="hu-HU" dirty="0"/>
+              <a:t>Kommenteken végzett szentimentanalízis</a:t>
+            </a:r>
+            <a:br>
+              <a:rPr lang="hu-HU" dirty="0"/>
+            </a:br>
+            <a:endParaRPr lang="hu-HU" dirty="0"/>
+          </a:p>
+        </p:txBody>
+      </p:sp>
+      <p:sp>
+        <p:nvSpPr>
+          <p:cNvPr id="3" name="Tartalom helye 2"/>
+          <p:cNvSpPr>
+            <a:spLocks noGrp="1"/>
+          </p:cNvSpPr>
+          <p:nvPr>
+            <p:ph idx="1"/>
+          </p:nvPr>
+        </p:nvSpPr>
+        <p:spPr/>
+        <p:txBody>
+          <a:bodyPr>
+            <a:normAutofit lnSpcReduction="10000"/>
+          </a:bodyPr>
           <a:lstStyle/>
           <a:p>
             <a:r>
               <a:rPr lang="hu-HU" dirty="0" smtClean="0"/>
-              <a:t>Köszönöm a figyelmet!</a:t>
-            </a:r>
-            <a:endParaRPr lang="hu-HU" dirty="0"/>
+              <a:t>Egy fórumról 50.000 komment letöltése</a:t>
+            </a:r>
+          </a:p>
+          <a:p>
+            <a:pPr lvl="1"/>
+            <a:r>
+              <a:rPr lang="hu-HU" dirty="0" smtClean="0"/>
+              <a:t>HTTP kérések az API felé, AJAX kérések szimulálása Pythonból</a:t>
+            </a:r>
+          </a:p>
+          <a:p>
+            <a:pPr lvl="1"/>
+            <a:r>
+              <a:rPr lang="hu-HU" dirty="0" smtClean="0"/>
+              <a:t>Adatok tisztítása</a:t>
+            </a:r>
+          </a:p>
+          <a:p>
+            <a:pPr lvl="2"/>
+            <a:r>
+              <a:rPr lang="hu-HU" dirty="0" smtClean="0"/>
+              <a:t>HTML tag-</a:t>
+            </a:r>
+            <a:r>
+              <a:rPr lang="hu-HU" dirty="0" err="1" smtClean="0"/>
+              <a:t>ek</a:t>
+            </a:r>
+            <a:r>
+              <a:rPr lang="hu-HU" dirty="0" smtClean="0"/>
+              <a:t> törlése a válaszból</a:t>
+            </a:r>
+          </a:p>
+          <a:p>
+            <a:pPr lvl="2"/>
+            <a:r>
+              <a:rPr lang="hu-HU" dirty="0" smtClean="0"/>
+              <a:t>JSON létrehozása a kommentekből</a:t>
+            </a:r>
+          </a:p>
+          <a:p>
+            <a:pPr lvl="1"/>
+            <a:r>
+              <a:rPr lang="hu-HU" dirty="0"/>
+              <a:t>JSON fájlok importálása </a:t>
+            </a:r>
+            <a:r>
+              <a:rPr lang="hu-HU" dirty="0" err="1" smtClean="0"/>
+              <a:t>PostgreSQL</a:t>
+            </a:r>
+            <a:r>
+              <a:rPr lang="hu-HU" dirty="0" smtClean="0"/>
+              <a:t> adatbázisba</a:t>
+            </a:r>
+          </a:p>
+          <a:p>
+            <a:r>
+              <a:rPr lang="hu-HU" dirty="0" smtClean="0"/>
+              <a:t>Adatok feldolgozása, szentimentanalízis</a:t>
+            </a:r>
+          </a:p>
+          <a:p>
+            <a:r>
+              <a:rPr lang="hu-HU" dirty="0" smtClean="0"/>
+              <a:t>Kommentek és eredmények megjelenítése webalkalmazásban</a:t>
+            </a:r>
+          </a:p>
+          <a:p>
+            <a:pPr lvl="1"/>
+            <a:r>
+              <a:rPr lang="hu-HU" dirty="0"/>
+              <a:t> </a:t>
+            </a:r>
+            <a:r>
+              <a:rPr lang="hu-HU" dirty="0" smtClean="0"/>
+              <a:t>Keresés </a:t>
+            </a:r>
+            <a:r>
+              <a:rPr lang="hu-HU" dirty="0"/>
+              <a:t>a kommentek és felhasználók között</a:t>
+            </a:r>
+          </a:p>
+          <a:p>
+            <a:pPr lvl="1"/>
+            <a:r>
+              <a:rPr lang="hu-HU" dirty="0"/>
+              <a:t> </a:t>
+            </a:r>
+            <a:r>
+              <a:rPr lang="hu-HU" dirty="0" smtClean="0"/>
+              <a:t>Találatok </a:t>
+            </a:r>
+            <a:r>
+              <a:rPr lang="hu-HU" dirty="0"/>
+              <a:t>szűrése és rendezése</a:t>
+            </a:r>
+          </a:p>
+          <a:p>
+            <a:pPr lvl="1"/>
+            <a:r>
+              <a:rPr lang="hu-HU" dirty="0"/>
+              <a:t> </a:t>
+            </a:r>
+            <a:r>
+              <a:rPr lang="hu-HU" dirty="0" smtClean="0"/>
+              <a:t>Felhasználó szentimentelemzése </a:t>
+            </a:r>
+            <a:r>
+              <a:rPr lang="hu-HU" dirty="0"/>
+              <a:t>a kommentjei </a:t>
+            </a:r>
+            <a:r>
+              <a:rPr lang="hu-HU" dirty="0" smtClean="0"/>
+              <a:t>alapján</a:t>
+            </a:r>
           </a:p>
         </p:txBody>
       </p:sp>
     </p:spTree>
     <p:extLst>
       <p:ext uri="{BB962C8B-B14F-4D97-AF65-F5344CB8AC3E}">
-        <p14:creationId xmlns:p14="http://schemas.microsoft.com/office/powerpoint/2010/main" val="1218404013"/>
+        <p14:creationId xmlns:p14="http://schemas.microsoft.com/office/powerpoint/2010/main" val="4138766183"/>
+      </p:ext>
+    </p:extLst>
+  </p:cSld>
+  <p:clrMapOvr>
+    <a:masterClrMapping/>
+  </p:clrMapOvr>
+</p:sld>
+</file>
+
+<file path=ppt/slides/slide9.xml><?xml version="1.0" encoding="utf-8"?>
+<p:sld xmlns:a="http://schemas.openxmlformats.org/drawingml/2006/main" xmlns:r="http://schemas.openxmlformats.org/officeDocument/2006/relationships" xmlns:p="http://schemas.openxmlformats.org/presentationml/2006/main">
+  <p:cSld>
+    <p:spTree>
+      <p:nvGrpSpPr>
+        <p:cNvPr id="1" name=""/>
+        <p:cNvGrpSpPr/>
+        <p:nvPr/>
+      </p:nvGrpSpPr>
+      <p:grpSpPr>
+        <a:xfrm>
+          <a:off x="0" y="0"/>
+          <a:ext cx="0" cy="0"/>
+          <a:chOff x="0" y="0"/>
+          <a:chExt cx="0" cy="0"/>
+        </a:xfrm>
+      </p:grpSpPr>
+      <p:sp>
+        <p:nvSpPr>
+          <p:cNvPr id="2" name="Cím 1"/>
+          <p:cNvSpPr>
+            <a:spLocks noGrp="1"/>
+          </p:cNvSpPr>
+          <p:nvPr>
+            <p:ph type="title"/>
+          </p:nvPr>
+        </p:nvSpPr>
+        <p:spPr/>
+        <p:txBody>
+          <a:bodyPr/>
+          <a:lstStyle/>
+          <a:p>
+            <a:r>
+              <a:rPr lang="hu-HU" dirty="0" smtClean="0"/>
+              <a:t>Képek</a:t>
+            </a:r>
+            <a:endParaRPr lang="hu-HU" dirty="0"/>
+          </a:p>
+        </p:txBody>
+      </p:sp>
+      <p:pic>
+        <p:nvPicPr>
+          <p:cNvPr id="4" name="Tartalom helye 3"/>
+          <p:cNvPicPr>
+            <a:picLocks noGrp="1" noChangeAspect="1"/>
+          </p:cNvPicPr>
+          <p:nvPr>
+            <p:ph idx="1"/>
+          </p:nvPr>
+        </p:nvPicPr>
+        <p:blipFill>
+          <a:blip r:embed="rId2">
+            <a:extLst>
+              <a:ext uri="{28A0092B-C50C-407E-A947-70E740481C1C}">
+                <a14:useLocalDpi xmlns:a14="http://schemas.microsoft.com/office/drawing/2010/main" val="0"/>
+              </a:ext>
+            </a:extLst>
+          </a:blip>
+          <a:stretch>
+            <a:fillRect/>
+          </a:stretch>
+        </p:blipFill>
+        <p:spPr>
+          <a:xfrm>
+            <a:off x="248844" y="1211277"/>
+            <a:ext cx="7256435" cy="3881437"/>
+          </a:xfrm>
+        </p:spPr>
+      </p:pic>
+      <p:pic>
+        <p:nvPicPr>
+          <p:cNvPr id="5" name="Kép 4"/>
+          <p:cNvPicPr>
+            <a:picLocks noChangeAspect="1"/>
+          </p:cNvPicPr>
+          <p:nvPr/>
+        </p:nvPicPr>
+        <p:blipFill>
+          <a:blip r:embed="rId3">
+            <a:extLst>
+              <a:ext uri="{28A0092B-C50C-407E-A947-70E740481C1C}">
+                <a14:useLocalDpi xmlns:a14="http://schemas.microsoft.com/office/drawing/2010/main" val="0"/>
+              </a:ext>
+            </a:extLst>
+          </a:blip>
+          <a:stretch>
+            <a:fillRect/>
+          </a:stretch>
+        </p:blipFill>
+        <p:spPr>
+          <a:xfrm>
+            <a:off x="5654186" y="3212984"/>
+            <a:ext cx="6361646" cy="3164117"/>
+          </a:xfrm>
+          <a:prstGeom prst="rect">
+            <a:avLst/>
+          </a:prstGeom>
+        </p:spPr>
+      </p:pic>
+    </p:spTree>
+    <p:extLst>
+      <p:ext uri="{BB962C8B-B14F-4D97-AF65-F5344CB8AC3E}">
+        <p14:creationId xmlns:p14="http://schemas.microsoft.com/office/powerpoint/2010/main" val="3081271911"/>
       </p:ext>
     </p:extLst>
   </p:cSld>
